--- a/week_6/Composition.pptx
+++ b/week_6/Composition.pptx
@@ -5,17 +5,18 @@
     <p:sldMasterId id="2147483648" r:id="rId1"/>
   </p:sldMasterIdLst>
   <p:notesMasterIdLst>
-    <p:notesMasterId r:id="rId10"/>
+    <p:notesMasterId r:id="rId11"/>
   </p:notesMasterIdLst>
   <p:sldIdLst>
     <p:sldId id="257" r:id="rId2"/>
     <p:sldId id="315" r:id="rId3"/>
     <p:sldId id="344" r:id="rId4"/>
     <p:sldId id="350" r:id="rId5"/>
-    <p:sldId id="360" r:id="rId6"/>
-    <p:sldId id="339" r:id="rId7"/>
-    <p:sldId id="362" r:id="rId8"/>
-    <p:sldId id="351" r:id="rId9"/>
+    <p:sldId id="363" r:id="rId6"/>
+    <p:sldId id="360" r:id="rId7"/>
+    <p:sldId id="339" r:id="rId8"/>
+    <p:sldId id="362" r:id="rId9"/>
+    <p:sldId id="351" r:id="rId10"/>
   </p:sldIdLst>
   <p:sldSz cx="12192000" cy="6858000"/>
   <p:notesSz cx="6858000" cy="9144000"/>
@@ -212,7 +213,7 @@
           <a:p>
             <a:fld id="{F666E1FD-E7A0-497B-BBC0-740BAAC97C64}" type="datetimeFigureOut">
               <a:rPr lang="en-PH" smtClean="0"/>
-              <a:t>09/01/2023</a:t>
+              <a:t>16/01/2023</a:t>
             </a:fld>
             <a:endParaRPr lang="en-PH"/>
           </a:p>
@@ -893,7 +894,7 @@
     </p:spTree>
     <p:extLst>
       <p:ext uri="{BB962C8B-B14F-4D97-AF65-F5344CB8AC3E}">
-        <p14:creationId xmlns:p14="http://schemas.microsoft.com/office/powerpoint/2010/main" val="3082659542"/>
+        <p14:creationId xmlns:p14="http://schemas.microsoft.com/office/powerpoint/2010/main" val="95768866"/>
       </p:ext>
     </p:extLst>
   </p:cSld>
@@ -977,7 +978,7 @@
     </p:spTree>
     <p:extLst>
       <p:ext uri="{BB962C8B-B14F-4D97-AF65-F5344CB8AC3E}">
-        <p14:creationId xmlns:p14="http://schemas.microsoft.com/office/powerpoint/2010/main" val="1698956037"/>
+        <p14:creationId xmlns:p14="http://schemas.microsoft.com/office/powerpoint/2010/main" val="3082659542"/>
       </p:ext>
     </p:extLst>
   </p:cSld>
@@ -1061,7 +1062,7 @@
     </p:spTree>
     <p:extLst>
       <p:ext uri="{BB962C8B-B14F-4D97-AF65-F5344CB8AC3E}">
-        <p14:creationId xmlns:p14="http://schemas.microsoft.com/office/powerpoint/2010/main" val="3777657271"/>
+        <p14:creationId xmlns:p14="http://schemas.microsoft.com/office/powerpoint/2010/main" val="1698956037"/>
       </p:ext>
     </p:extLst>
   </p:cSld>
@@ -1137,6 +1138,90 @@
             <a:fld id="{FE90CCE9-4AAE-4E1F-85AD-521A406D6524}" type="slidenum">
               <a:rPr lang="en-PH" smtClean="0"/>
               <a:t>8</a:t>
+            </a:fld>
+            <a:endParaRPr lang="en-PH"/>
+          </a:p>
+        </p:txBody>
+      </p:sp>
+    </p:spTree>
+    <p:extLst>
+      <p:ext uri="{BB962C8B-B14F-4D97-AF65-F5344CB8AC3E}">
+        <p14:creationId xmlns:p14="http://schemas.microsoft.com/office/powerpoint/2010/main" val="3777657271"/>
+      </p:ext>
+    </p:extLst>
+  </p:cSld>
+  <p:clrMapOvr>
+    <a:masterClrMapping/>
+  </p:clrMapOvr>
+</p:notes>
+</file>
+
+<file path=ppt/notesSlides/notesSlide9.xml><?xml version="1.0" encoding="utf-8"?>
+<p:notes xmlns:a="http://schemas.openxmlformats.org/drawingml/2006/main" xmlns:r="http://schemas.openxmlformats.org/officeDocument/2006/relationships" xmlns:p="http://schemas.openxmlformats.org/presentationml/2006/main">
+  <p:cSld>
+    <p:spTree>
+      <p:nvGrpSpPr>
+        <p:cNvPr id="1" name=""/>
+        <p:cNvGrpSpPr/>
+        <p:nvPr/>
+      </p:nvGrpSpPr>
+      <p:grpSpPr>
+        <a:xfrm>
+          <a:off x="0" y="0"/>
+          <a:ext cx="0" cy="0"/>
+          <a:chOff x="0" y="0"/>
+          <a:chExt cx="0" cy="0"/>
+        </a:xfrm>
+      </p:grpSpPr>
+      <p:sp>
+        <p:nvSpPr>
+          <p:cNvPr id="2" name="Slide Image Placeholder 1"/>
+          <p:cNvSpPr>
+            <a:spLocks noGrp="1" noRot="1" noChangeAspect="1"/>
+          </p:cNvSpPr>
+          <p:nvPr>
+            <p:ph type="sldImg"/>
+          </p:nvPr>
+        </p:nvSpPr>
+        <p:spPr/>
+      </p:sp>
+      <p:sp>
+        <p:nvSpPr>
+          <p:cNvPr id="3" name="Notes Placeholder 2"/>
+          <p:cNvSpPr>
+            <a:spLocks noGrp="1"/>
+          </p:cNvSpPr>
+          <p:nvPr>
+            <p:ph type="body" idx="1"/>
+          </p:nvPr>
+        </p:nvSpPr>
+        <p:spPr/>
+        <p:txBody>
+          <a:bodyPr/>
+          <a:lstStyle/>
+          <a:p>
+            <a:endParaRPr lang="en-PH" dirty="0"/>
+          </a:p>
+        </p:txBody>
+      </p:sp>
+      <p:sp>
+        <p:nvSpPr>
+          <p:cNvPr id="4" name="Slide Number Placeholder 3"/>
+          <p:cNvSpPr>
+            <a:spLocks noGrp="1"/>
+          </p:cNvSpPr>
+          <p:nvPr>
+            <p:ph type="sldNum" sz="quarter" idx="5"/>
+          </p:nvPr>
+        </p:nvSpPr>
+        <p:spPr/>
+        <p:txBody>
+          <a:bodyPr/>
+          <a:lstStyle/>
+          <a:p>
+            <a:fld id="{FE90CCE9-4AAE-4E1F-85AD-521A406D6524}" type="slidenum">
+              <a:rPr lang="en-PH" smtClean="0"/>
+              <a:t>9</a:t>
             </a:fld>
             <a:endParaRPr lang="en-PH"/>
           </a:p>
@@ -1304,7 +1389,7 @@
           <a:p>
             <a:fld id="{0CCF0B81-6BD8-4C65-9459-815598C5F1F4}" type="datetimeFigureOut">
               <a:rPr lang="en-PH" smtClean="0"/>
-              <a:t>09/01/2023</a:t>
+              <a:t>16/01/2023</a:t>
             </a:fld>
             <a:endParaRPr lang="en-PH"/>
           </a:p>
@@ -1504,7 +1589,7 @@
           <a:p>
             <a:fld id="{0CCF0B81-6BD8-4C65-9459-815598C5F1F4}" type="datetimeFigureOut">
               <a:rPr lang="en-PH" smtClean="0"/>
-              <a:t>09/01/2023</a:t>
+              <a:t>16/01/2023</a:t>
             </a:fld>
             <a:endParaRPr lang="en-PH"/>
           </a:p>
@@ -1714,7 +1799,7 @@
           <a:p>
             <a:fld id="{0CCF0B81-6BD8-4C65-9459-815598C5F1F4}" type="datetimeFigureOut">
               <a:rPr lang="en-PH" smtClean="0"/>
-              <a:t>09/01/2023</a:t>
+              <a:t>16/01/2023</a:t>
             </a:fld>
             <a:endParaRPr lang="en-PH"/>
           </a:p>
@@ -1914,7 +1999,7 @@
           <a:p>
             <a:fld id="{0CCF0B81-6BD8-4C65-9459-815598C5F1F4}" type="datetimeFigureOut">
               <a:rPr lang="en-PH" smtClean="0"/>
-              <a:t>09/01/2023</a:t>
+              <a:t>16/01/2023</a:t>
             </a:fld>
             <a:endParaRPr lang="en-PH"/>
           </a:p>
@@ -2190,7 +2275,7 @@
           <a:p>
             <a:fld id="{0CCF0B81-6BD8-4C65-9459-815598C5F1F4}" type="datetimeFigureOut">
               <a:rPr lang="en-PH" smtClean="0"/>
-              <a:t>09/01/2023</a:t>
+              <a:t>16/01/2023</a:t>
             </a:fld>
             <a:endParaRPr lang="en-PH"/>
           </a:p>
@@ -2458,7 +2543,7 @@
           <a:p>
             <a:fld id="{0CCF0B81-6BD8-4C65-9459-815598C5F1F4}" type="datetimeFigureOut">
               <a:rPr lang="en-PH" smtClean="0"/>
-              <a:t>09/01/2023</a:t>
+              <a:t>16/01/2023</a:t>
             </a:fld>
             <a:endParaRPr lang="en-PH"/>
           </a:p>
@@ -2873,7 +2958,7 @@
           <a:p>
             <a:fld id="{0CCF0B81-6BD8-4C65-9459-815598C5F1F4}" type="datetimeFigureOut">
               <a:rPr lang="en-PH" smtClean="0"/>
-              <a:t>09/01/2023</a:t>
+              <a:t>16/01/2023</a:t>
             </a:fld>
             <a:endParaRPr lang="en-PH"/>
           </a:p>
@@ -3015,7 +3100,7 @@
           <a:p>
             <a:fld id="{0CCF0B81-6BD8-4C65-9459-815598C5F1F4}" type="datetimeFigureOut">
               <a:rPr lang="en-PH" smtClean="0"/>
-              <a:t>09/01/2023</a:t>
+              <a:t>16/01/2023</a:t>
             </a:fld>
             <a:endParaRPr lang="en-PH"/>
           </a:p>
@@ -3128,7 +3213,7 @@
           <a:p>
             <a:fld id="{0CCF0B81-6BD8-4C65-9459-815598C5F1F4}" type="datetimeFigureOut">
               <a:rPr lang="en-PH" smtClean="0"/>
-              <a:t>09/01/2023</a:t>
+              <a:t>16/01/2023</a:t>
             </a:fld>
             <a:endParaRPr lang="en-PH"/>
           </a:p>
@@ -3441,7 +3526,7 @@
           <a:p>
             <a:fld id="{0CCF0B81-6BD8-4C65-9459-815598C5F1F4}" type="datetimeFigureOut">
               <a:rPr lang="en-PH" smtClean="0"/>
-              <a:t>09/01/2023</a:t>
+              <a:t>16/01/2023</a:t>
             </a:fld>
             <a:endParaRPr lang="en-PH"/>
           </a:p>
@@ -3730,7 +3815,7 @@
           <a:p>
             <a:fld id="{0CCF0B81-6BD8-4C65-9459-815598C5F1F4}" type="datetimeFigureOut">
               <a:rPr lang="en-PH" smtClean="0"/>
-              <a:t>09/01/2023</a:t>
+              <a:t>16/01/2023</a:t>
             </a:fld>
             <a:endParaRPr lang="en-PH"/>
           </a:p>
@@ -3973,7 +4058,7 @@
           <a:p>
             <a:fld id="{0CCF0B81-6BD8-4C65-9459-815598C5F1F4}" type="datetimeFigureOut">
               <a:rPr lang="en-PH" smtClean="0"/>
-              <a:t>09/01/2023</a:t>
+              <a:t>16/01/2023</a:t>
             </a:fld>
             <a:endParaRPr lang="en-PH"/>
           </a:p>
@@ -6184,7 +6269,7 @@
         <p:spPr>
           <a:xfrm>
             <a:off x="2004950" y="1406092"/>
-            <a:ext cx="8182099" cy="5186035"/>
+            <a:ext cx="8182099" cy="2400657"/>
           </a:xfrm>
           <a:prstGeom prst="rect">
             <a:avLst/>
@@ -6261,104 +6346,13 @@
                 <a:effectLst/>
                 <a:latin typeface="Calibri (Body)"/>
               </a:rPr>
-              <a:t> A car is a type of vehicle</a:t>
+              <a:t> A car is a type of vehicle.</a:t>
             </a:r>
             <a:endParaRPr lang="en-US" sz="2500" b="0" i="0" dirty="0">
               <a:solidFill>
                 <a:srgbClr val="000000"/>
               </a:solidFill>
               <a:effectLst/>
-              <a:latin typeface="Calibri (Body)"/>
-            </a:endParaRPr>
-          </a:p>
-          <a:p>
-            <a:pPr marL="342900" indent="-342900">
-              <a:buFontTx/>
-              <a:buChar char="-"/>
-            </a:pPr>
-            <a:endParaRPr lang="en-PH" sz="2500" dirty="0">
-              <a:latin typeface="Calibri (Body)"/>
-            </a:endParaRPr>
-          </a:p>
-          <a:p>
-            <a:r>
-              <a:rPr lang="en-PH" sz="2500" b="1" dirty="0">
-                <a:latin typeface="Calibri (Body)"/>
-              </a:rPr>
-              <a:t>Association</a:t>
-            </a:r>
-          </a:p>
-          <a:p>
-            <a:pPr marL="342900" indent="-342900">
-              <a:buFontTx/>
-              <a:buChar char="-"/>
-            </a:pPr>
-            <a:r>
-              <a:rPr lang="en-US" sz="2500" b="0" i="0" dirty="0">
-                <a:solidFill>
-                  <a:srgbClr val="000000"/>
-                </a:solidFill>
-                <a:effectLst/>
-                <a:latin typeface="Calibri (Body)"/>
-              </a:rPr>
-              <a:t>A HAS-A relationship signifies that a class has a relationship with another class. </a:t>
-            </a:r>
-            <a:endParaRPr lang="en-PH" sz="2500" dirty="0">
-              <a:latin typeface="Calibri (Body)"/>
-            </a:endParaRPr>
-          </a:p>
-          <a:p>
-            <a:endParaRPr lang="en-PH" sz="2500" dirty="0">
-              <a:latin typeface="Calibri (Body)"/>
-            </a:endParaRPr>
-          </a:p>
-          <a:p>
-            <a:r>
-              <a:rPr lang="en-US" sz="2500" i="0" dirty="0">
-                <a:solidFill>
-                  <a:srgbClr val="000000"/>
-                </a:solidFill>
-                <a:effectLst/>
-                <a:latin typeface="Calibri (Body)"/>
-              </a:rPr>
-              <a:t>Example</a:t>
-            </a:r>
-            <a:r>
-              <a:rPr lang="en-US" sz="2500" b="1" i="0" dirty="0">
-                <a:solidFill>
-                  <a:srgbClr val="000000"/>
-                </a:solidFill>
-                <a:effectLst/>
-                <a:latin typeface="Calibri (Body)"/>
-              </a:rPr>
-              <a:t>:</a:t>
-            </a:r>
-            <a:r>
-              <a:rPr lang="en-US" sz="2500" b="0" i="0" dirty="0">
-                <a:solidFill>
-                  <a:srgbClr val="000000"/>
-                </a:solidFill>
-                <a:effectLst/>
-                <a:latin typeface="Calibri (Body)"/>
-              </a:rPr>
-              <a:t> </a:t>
-            </a:r>
-            <a:r>
-              <a:rPr lang="en-PH" sz="2500" b="0" i="0" dirty="0">
-                <a:solidFill>
-                  <a:srgbClr val="000000"/>
-                </a:solidFill>
-                <a:effectLst/>
-                <a:latin typeface="Calibri (Body)"/>
-              </a:rPr>
-              <a:t>A car has an engine</a:t>
-            </a:r>
-            <a:endParaRPr lang="en-PH" sz="2500" dirty="0">
-              <a:latin typeface="Calibri (Body)"/>
-            </a:endParaRPr>
-          </a:p>
-          <a:p>
-            <a:endParaRPr lang="en-PH" sz="2500" dirty="0">
               <a:latin typeface="Calibri (Body)"/>
             </a:endParaRPr>
           </a:p>
@@ -6378,6 +6372,422 @@
 </file>
 
 <file path=ppt/slides/slide5.xml><?xml version="1.0" encoding="utf-8"?>
+<p:sld xmlns:a="http://schemas.openxmlformats.org/drawingml/2006/main" xmlns:r="http://schemas.openxmlformats.org/officeDocument/2006/relationships" xmlns:p="http://schemas.openxmlformats.org/presentationml/2006/main">
+  <p:cSld>
+    <p:bg>
+      <p:bgPr>
+        <a:blipFill dpi="0" rotWithShape="1">
+          <a:blip r:embed="rId3">
+            <a:alphaModFix amt="99000"/>
+            <a:lum/>
+          </a:blip>
+          <a:srcRect/>
+          <a:stretch>
+            <a:fillRect t="89000" r="85000" b="-1000"/>
+          </a:stretch>
+        </a:blipFill>
+        <a:effectLst/>
+      </p:bgPr>
+    </p:bg>
+    <p:spTree>
+      <p:nvGrpSpPr>
+        <p:cNvPr id="1" name=""/>
+        <p:cNvGrpSpPr/>
+        <p:nvPr/>
+      </p:nvGrpSpPr>
+      <p:grpSpPr>
+        <a:xfrm>
+          <a:off x="0" y="0"/>
+          <a:ext cx="0" cy="0"/>
+          <a:chOff x="0" y="0"/>
+          <a:chExt cx="0" cy="0"/>
+        </a:xfrm>
+      </p:grpSpPr>
+      <p:sp>
+        <p:nvSpPr>
+          <p:cNvPr id="2" name="Title 1">
+            <a:extLst>
+              <a:ext uri="{FF2B5EF4-FFF2-40B4-BE49-F238E27FC236}">
+                <a16:creationId xmlns:a16="http://schemas.microsoft.com/office/drawing/2014/main" id="{6A3DCE86-C2BA-4713-9E7A-73589E8D6CCF}"/>
+              </a:ext>
+            </a:extLst>
+          </p:cNvPr>
+          <p:cNvSpPr>
+            <a:spLocks noGrp="1"/>
+          </p:cNvSpPr>
+          <p:nvPr>
+            <p:ph type="ctrTitle"/>
+          </p:nvPr>
+        </p:nvSpPr>
+        <p:spPr>
+          <a:xfrm>
+            <a:off x="1524000" y="497150"/>
+            <a:ext cx="9144000" cy="718459"/>
+          </a:xfrm>
+        </p:spPr>
+        <p:txBody>
+          <a:bodyPr>
+            <a:noAutofit/>
+          </a:bodyPr>
+          <a:lstStyle/>
+          <a:p>
+            <a:r>
+              <a:rPr lang="en-PH" sz="5400" b="1" dirty="0"/>
+              <a:t>Relationships in Java</a:t>
+            </a:r>
+            <a:endParaRPr lang="en-PH" sz="5000" b="1" dirty="0"/>
+          </a:p>
+        </p:txBody>
+      </p:sp>
+      <p:sp>
+        <p:nvSpPr>
+          <p:cNvPr id="4" name="Footer Placeholder 3">
+            <a:extLst>
+              <a:ext uri="{FF2B5EF4-FFF2-40B4-BE49-F238E27FC236}">
+                <a16:creationId xmlns:a16="http://schemas.microsoft.com/office/drawing/2014/main" id="{638E7DE1-45EE-476A-A474-0F3C264AEDA3}"/>
+              </a:ext>
+            </a:extLst>
+          </p:cNvPr>
+          <p:cNvSpPr>
+            <a:spLocks noGrp="1"/>
+          </p:cNvSpPr>
+          <p:nvPr>
+            <p:ph type="ftr" sz="quarter" idx="11"/>
+          </p:nvPr>
+        </p:nvSpPr>
+        <p:spPr>
+          <a:xfrm>
+            <a:off x="0" y="6139541"/>
+            <a:ext cx="12192000" cy="718459"/>
+          </a:xfrm>
+          <a:ln w="28575">
+            <a:solidFill>
+              <a:schemeClr val="accent5">
+                <a:lumMod val="50000"/>
+              </a:schemeClr>
+            </a:solidFill>
+          </a:ln>
+        </p:spPr>
+        <p:txBody>
+          <a:bodyPr/>
+          <a:lstStyle/>
+          <a:p>
+            <a:pPr algn="r"/>
+            <a:r>
+              <a:rPr lang="en-PH" b="1" dirty="0">
+                <a:solidFill>
+                  <a:schemeClr val="tx1"/>
+                </a:solidFill>
+              </a:rPr>
+              <a:t>CCPRGG2L – Intermediate Programming</a:t>
+            </a:r>
+          </a:p>
+        </p:txBody>
+      </p:sp>
+      <p:sp>
+        <p:nvSpPr>
+          <p:cNvPr id="3" name="Title 1">
+            <a:extLst>
+              <a:ext uri="{FF2B5EF4-FFF2-40B4-BE49-F238E27FC236}">
+                <a16:creationId xmlns:a16="http://schemas.microsoft.com/office/drawing/2014/main" id="{6C30C3FD-9F67-8E4D-274C-38222F46C4C5}"/>
+              </a:ext>
+            </a:extLst>
+          </p:cNvPr>
+          <p:cNvSpPr txBox="1">
+            <a:spLocks/>
+          </p:cNvSpPr>
+          <p:nvPr/>
+        </p:nvSpPr>
+        <p:spPr>
+          <a:xfrm>
+            <a:off x="1524000" y="1516449"/>
+            <a:ext cx="9144000" cy="4290585"/>
+          </a:xfrm>
+          <a:prstGeom prst="rect">
+            <a:avLst/>
+          </a:prstGeom>
+        </p:spPr>
+        <p:txBody>
+          <a:bodyPr vert="horz" lIns="91440" tIns="45720" rIns="91440" bIns="45720" rtlCol="0" anchor="b">
+            <a:normAutofit fontScale="97500"/>
+          </a:bodyPr>
+          <a:lstStyle>
+            <a:lvl1pPr algn="ctr" defTabSz="914400" rtl="0" eaLnBrk="1" latinLnBrk="0" hangingPunct="1">
+              <a:lnSpc>
+                <a:spcPct val="90000"/>
+              </a:lnSpc>
+              <a:spcBef>
+                <a:spcPct val="0"/>
+              </a:spcBef>
+              <a:buNone/>
+              <a:defRPr sz="6000" kern="1200">
+                <a:solidFill>
+                  <a:schemeClr val="tx1"/>
+                </a:solidFill>
+                <a:latin typeface="+mj-lt"/>
+                <a:ea typeface="+mj-ea"/>
+                <a:cs typeface="+mj-cs"/>
+              </a:defRPr>
+            </a:lvl1pPr>
+          </a:lstStyle>
+          <a:p>
+            <a:pPr algn="l"/>
+            <a:endParaRPr lang="en-PH" sz="2600" dirty="0">
+              <a:latin typeface="Consolas" panose="020B0609020204030204" pitchFamily="49" charset="0"/>
+            </a:endParaRPr>
+          </a:p>
+          <a:p>
+            <a:pPr algn="l"/>
+            <a:r>
+              <a:rPr lang="en-PH" sz="2600" b="0" dirty="0">
+                <a:effectLst/>
+                <a:latin typeface="Consolas" panose="020B0609020204030204" pitchFamily="49" charset="0"/>
+              </a:rPr>
+              <a:t>                         </a:t>
+            </a:r>
+          </a:p>
+          <a:p>
+            <a:pPr algn="l"/>
+            <a:r>
+              <a:rPr lang="en-PH" sz="2600" b="0" dirty="0">
+                <a:effectLst/>
+                <a:latin typeface="Consolas" panose="020B0609020204030204" pitchFamily="49" charset="0"/>
+              </a:rPr>
+              <a:t>        </a:t>
+            </a:r>
+          </a:p>
+          <a:p>
+            <a:pPr algn="l"/>
+            <a:endParaRPr lang="en-PH" sz="2600" b="0" dirty="0">
+              <a:effectLst/>
+              <a:latin typeface="Consolas" panose="020B0609020204030204" pitchFamily="49" charset="0"/>
+            </a:endParaRPr>
+          </a:p>
+          <a:p>
+            <a:pPr algn="l"/>
+            <a:endParaRPr lang="en-PH" sz="2000" dirty="0">
+              <a:latin typeface="Consolas" panose="020B0609020204030204" pitchFamily="49" charset="0"/>
+            </a:endParaRPr>
+          </a:p>
+          <a:p>
+            <a:pPr algn="l"/>
+            <a:endParaRPr lang="en-PH" sz="2000" b="0" dirty="0">
+              <a:effectLst/>
+              <a:latin typeface="Consolas" panose="020B0609020204030204" pitchFamily="49" charset="0"/>
+            </a:endParaRPr>
+          </a:p>
+          <a:p>
+            <a:pPr algn="l"/>
+            <a:endParaRPr lang="en-PH" sz="2000" dirty="0">
+              <a:latin typeface="Consolas" panose="020B0609020204030204" pitchFamily="49" charset="0"/>
+            </a:endParaRPr>
+          </a:p>
+          <a:p>
+            <a:pPr algn="l"/>
+            <a:endParaRPr lang="en-PH" sz="2000" b="0" dirty="0">
+              <a:effectLst/>
+              <a:latin typeface="Consolas" panose="020B0609020204030204" pitchFamily="49" charset="0"/>
+            </a:endParaRPr>
+          </a:p>
+          <a:p>
+            <a:pPr algn="l"/>
+            <a:endParaRPr lang="en-PH" sz="2000" dirty="0">
+              <a:latin typeface="Consolas" panose="020B0609020204030204" pitchFamily="49" charset="0"/>
+            </a:endParaRPr>
+          </a:p>
+          <a:p>
+            <a:pPr algn="l"/>
+            <a:endParaRPr lang="en-PH" sz="2000" b="0" dirty="0">
+              <a:effectLst/>
+              <a:latin typeface="Consolas" panose="020B0609020204030204" pitchFamily="49" charset="0"/>
+            </a:endParaRPr>
+          </a:p>
+          <a:p>
+            <a:pPr algn="l"/>
+            <a:endParaRPr lang="en-PH" sz="2000" b="0" dirty="0">
+              <a:effectLst/>
+              <a:latin typeface="Consolas" panose="020B0609020204030204" pitchFamily="49" charset="0"/>
+            </a:endParaRPr>
+          </a:p>
+          <a:p>
+            <a:pPr algn="l"/>
+            <a:endParaRPr lang="en-PH" sz="2000" dirty="0">
+              <a:latin typeface="Consolas" panose="020B0609020204030204" pitchFamily="49" charset="0"/>
+            </a:endParaRPr>
+          </a:p>
+          <a:p>
+            <a:pPr algn="l"/>
+            <a:endParaRPr lang="en-PH" sz="2000" b="0" dirty="0">
+              <a:effectLst/>
+              <a:latin typeface="Consolas" panose="020B0609020204030204" pitchFamily="49" charset="0"/>
+            </a:endParaRPr>
+          </a:p>
+          <a:p>
+            <a:pPr algn="l"/>
+            <a:endParaRPr lang="en-PH" sz="2000" b="0" dirty="0">
+              <a:effectLst/>
+              <a:latin typeface="Consolas" panose="020B0609020204030204" pitchFamily="49" charset="0"/>
+            </a:endParaRPr>
+          </a:p>
+        </p:txBody>
+      </p:sp>
+      <p:sp>
+        <p:nvSpPr>
+          <p:cNvPr id="13" name="TextBox 12">
+            <a:extLst>
+              <a:ext uri="{FF2B5EF4-FFF2-40B4-BE49-F238E27FC236}">
+                <a16:creationId xmlns:a16="http://schemas.microsoft.com/office/drawing/2014/main" id="{3900C14F-041A-7E06-AEB2-454CF583C656}"/>
+              </a:ext>
+            </a:extLst>
+          </p:cNvPr>
+          <p:cNvSpPr txBox="1"/>
+          <p:nvPr/>
+        </p:nvSpPr>
+        <p:spPr>
+          <a:xfrm>
+            <a:off x="1294271" y="3067065"/>
+            <a:ext cx="787400" cy="369332"/>
+          </a:xfrm>
+          <a:prstGeom prst="rect">
+            <a:avLst/>
+          </a:prstGeom>
+          <a:noFill/>
+        </p:spPr>
+        <p:txBody>
+          <a:bodyPr wrap="square" rtlCol="0">
+            <a:spAutoFit/>
+          </a:bodyPr>
+          <a:lstStyle/>
+          <a:p>
+            <a:endParaRPr lang="en-PH" dirty="0"/>
+          </a:p>
+        </p:txBody>
+      </p:sp>
+      <p:sp>
+        <p:nvSpPr>
+          <p:cNvPr id="14" name="TextBox 13">
+            <a:extLst>
+              <a:ext uri="{FF2B5EF4-FFF2-40B4-BE49-F238E27FC236}">
+                <a16:creationId xmlns:a16="http://schemas.microsoft.com/office/drawing/2014/main" id="{75652A3C-2B5F-3EDF-F7EB-D0C6328EDA8C}"/>
+              </a:ext>
+            </a:extLst>
+          </p:cNvPr>
+          <p:cNvSpPr txBox="1"/>
+          <p:nvPr/>
+        </p:nvSpPr>
+        <p:spPr>
+          <a:xfrm>
+            <a:off x="2004950" y="1406092"/>
+            <a:ext cx="8182099" cy="2400657"/>
+          </a:xfrm>
+          <a:prstGeom prst="rect">
+            <a:avLst/>
+          </a:prstGeom>
+          <a:noFill/>
+        </p:spPr>
+        <p:txBody>
+          <a:bodyPr wrap="square" rtlCol="0">
+            <a:spAutoFit/>
+          </a:bodyPr>
+          <a:lstStyle/>
+          <a:p>
+            <a:r>
+              <a:rPr lang="en-PH" sz="2500" b="1" dirty="0">
+                <a:latin typeface="Calibri (Body)"/>
+              </a:rPr>
+              <a:t>Association</a:t>
+            </a:r>
+          </a:p>
+          <a:p>
+            <a:pPr marL="342900" indent="-342900">
+              <a:buFontTx/>
+              <a:buChar char="-"/>
+            </a:pPr>
+            <a:r>
+              <a:rPr lang="en-US" sz="2500" b="0" i="0" dirty="0">
+                <a:solidFill>
+                  <a:srgbClr val="000000"/>
+                </a:solidFill>
+                <a:effectLst/>
+                <a:latin typeface="Calibri (Body)"/>
+              </a:rPr>
+              <a:t>A HAS-A relationship signifies that a class has a relationship with another class. </a:t>
+            </a:r>
+            <a:endParaRPr lang="en-PH" sz="2500" dirty="0">
+              <a:latin typeface="Calibri (Body)"/>
+            </a:endParaRPr>
+          </a:p>
+          <a:p>
+            <a:endParaRPr lang="en-PH" sz="2500" dirty="0">
+              <a:latin typeface="Calibri (Body)"/>
+            </a:endParaRPr>
+          </a:p>
+          <a:p>
+            <a:r>
+              <a:rPr lang="en-US" sz="2500" i="0" dirty="0">
+                <a:solidFill>
+                  <a:srgbClr val="000000"/>
+                </a:solidFill>
+                <a:effectLst/>
+                <a:latin typeface="Calibri (Body)"/>
+              </a:rPr>
+              <a:t>Example</a:t>
+            </a:r>
+            <a:r>
+              <a:rPr lang="en-US" sz="2500" b="1" i="0" dirty="0">
+                <a:solidFill>
+                  <a:srgbClr val="000000"/>
+                </a:solidFill>
+                <a:effectLst/>
+                <a:latin typeface="Calibri (Body)"/>
+              </a:rPr>
+              <a:t>:</a:t>
+            </a:r>
+            <a:r>
+              <a:rPr lang="en-US" sz="2500" b="0" i="0" dirty="0">
+                <a:solidFill>
+                  <a:srgbClr val="000000"/>
+                </a:solidFill>
+                <a:effectLst/>
+                <a:latin typeface="Calibri (Body)"/>
+              </a:rPr>
+              <a:t> </a:t>
+            </a:r>
+            <a:r>
+              <a:rPr lang="en-PH" sz="2500" b="0" i="0" dirty="0">
+                <a:solidFill>
+                  <a:srgbClr val="000000"/>
+                </a:solidFill>
+                <a:effectLst/>
+                <a:latin typeface="Calibri (Body)"/>
+              </a:rPr>
+              <a:t>A car has an engine.</a:t>
+            </a:r>
+            <a:endParaRPr lang="en-PH" sz="2500" dirty="0">
+              <a:latin typeface="Calibri (Body)"/>
+            </a:endParaRPr>
+          </a:p>
+          <a:p>
+            <a:endParaRPr lang="en-PH" sz="2500" dirty="0">
+              <a:latin typeface="Calibri (Body)"/>
+            </a:endParaRPr>
+          </a:p>
+        </p:txBody>
+      </p:sp>
+    </p:spTree>
+    <p:extLst>
+      <p:ext uri="{BB962C8B-B14F-4D97-AF65-F5344CB8AC3E}">
+        <p14:creationId xmlns:p14="http://schemas.microsoft.com/office/powerpoint/2010/main" val="2964983410"/>
+      </p:ext>
+    </p:extLst>
+  </p:cSld>
+  <p:clrMapOvr>
+    <a:masterClrMapping/>
+  </p:clrMapOvr>
+</p:sld>
+</file>
+
+<file path=ppt/slides/slide6.xml><?xml version="1.0" encoding="utf-8"?>
 <p:sld xmlns:a="http://schemas.openxmlformats.org/drawingml/2006/main" xmlns:r="http://schemas.openxmlformats.org/officeDocument/2006/relationships" xmlns:p="http://schemas.openxmlformats.org/presentationml/2006/main">
   <p:cSld>
     <p:bg>
@@ -7735,415 +8145,6 @@
 </p:sld>
 </file>
 
-<file path=ppt/slides/slide6.xml><?xml version="1.0" encoding="utf-8"?>
-<p:sld xmlns:a="http://schemas.openxmlformats.org/drawingml/2006/main" xmlns:r="http://schemas.openxmlformats.org/officeDocument/2006/relationships" xmlns:p="http://schemas.openxmlformats.org/presentationml/2006/main">
-  <p:cSld>
-    <p:bg>
-      <p:bgPr>
-        <a:blipFill dpi="0" rotWithShape="1">
-          <a:blip r:embed="rId3">
-            <a:alphaModFix amt="99000"/>
-            <a:lum/>
-          </a:blip>
-          <a:srcRect/>
-          <a:stretch>
-            <a:fillRect t="89000" r="85000" b="-1000"/>
-          </a:stretch>
-        </a:blipFill>
-        <a:effectLst/>
-      </p:bgPr>
-    </p:bg>
-    <p:spTree>
-      <p:nvGrpSpPr>
-        <p:cNvPr id="1" name=""/>
-        <p:cNvGrpSpPr/>
-        <p:nvPr/>
-      </p:nvGrpSpPr>
-      <p:grpSpPr>
-        <a:xfrm>
-          <a:off x="0" y="0"/>
-          <a:ext cx="0" cy="0"/>
-          <a:chOff x="0" y="0"/>
-          <a:chExt cx="0" cy="0"/>
-        </a:xfrm>
-      </p:grpSpPr>
-      <p:sp>
-        <p:nvSpPr>
-          <p:cNvPr id="2" name="Title 1">
-            <a:extLst>
-              <a:ext uri="{FF2B5EF4-FFF2-40B4-BE49-F238E27FC236}">
-                <a16:creationId xmlns:a16="http://schemas.microsoft.com/office/drawing/2014/main" id="{6A3DCE86-C2BA-4713-9E7A-73589E8D6CCF}"/>
-              </a:ext>
-            </a:extLst>
-          </p:cNvPr>
-          <p:cNvSpPr>
-            <a:spLocks noGrp="1"/>
-          </p:cNvSpPr>
-          <p:nvPr>
-            <p:ph type="ctrTitle"/>
-          </p:nvPr>
-        </p:nvSpPr>
-        <p:spPr>
-          <a:xfrm>
-            <a:off x="1524000" y="497150"/>
-            <a:ext cx="9144000" cy="718459"/>
-          </a:xfrm>
-        </p:spPr>
-        <p:txBody>
-          <a:bodyPr>
-            <a:noAutofit/>
-          </a:bodyPr>
-          <a:lstStyle/>
-          <a:p>
-            <a:r>
-              <a:rPr lang="en-PH" sz="5400" b="1" dirty="0"/>
-              <a:t>Aggregation and Composition</a:t>
-            </a:r>
-            <a:endParaRPr lang="en-PH" sz="5000" b="1" dirty="0"/>
-          </a:p>
-        </p:txBody>
-      </p:sp>
-      <p:sp>
-        <p:nvSpPr>
-          <p:cNvPr id="4" name="Footer Placeholder 3">
-            <a:extLst>
-              <a:ext uri="{FF2B5EF4-FFF2-40B4-BE49-F238E27FC236}">
-                <a16:creationId xmlns:a16="http://schemas.microsoft.com/office/drawing/2014/main" id="{638E7DE1-45EE-476A-A474-0F3C264AEDA3}"/>
-              </a:ext>
-            </a:extLst>
-          </p:cNvPr>
-          <p:cNvSpPr>
-            <a:spLocks noGrp="1"/>
-          </p:cNvSpPr>
-          <p:nvPr>
-            <p:ph type="ftr" sz="quarter" idx="11"/>
-          </p:nvPr>
-        </p:nvSpPr>
-        <p:spPr>
-          <a:xfrm>
-            <a:off x="0" y="6139541"/>
-            <a:ext cx="12192000" cy="718459"/>
-          </a:xfrm>
-          <a:ln w="28575">
-            <a:solidFill>
-              <a:schemeClr val="accent5">
-                <a:lumMod val="50000"/>
-              </a:schemeClr>
-            </a:solidFill>
-          </a:ln>
-        </p:spPr>
-        <p:txBody>
-          <a:bodyPr/>
-          <a:lstStyle/>
-          <a:p>
-            <a:pPr algn="r"/>
-            <a:r>
-              <a:rPr lang="en-PH" b="1" dirty="0">
-                <a:solidFill>
-                  <a:schemeClr val="tx1"/>
-                </a:solidFill>
-              </a:rPr>
-              <a:t>CCPRGG2L – Intermediate Programming</a:t>
-            </a:r>
-          </a:p>
-        </p:txBody>
-      </p:sp>
-      <p:sp>
-        <p:nvSpPr>
-          <p:cNvPr id="3" name="Title 1">
-            <a:extLst>
-              <a:ext uri="{FF2B5EF4-FFF2-40B4-BE49-F238E27FC236}">
-                <a16:creationId xmlns:a16="http://schemas.microsoft.com/office/drawing/2014/main" id="{6C30C3FD-9F67-8E4D-274C-38222F46C4C5}"/>
-              </a:ext>
-            </a:extLst>
-          </p:cNvPr>
-          <p:cNvSpPr txBox="1">
-            <a:spLocks/>
-          </p:cNvSpPr>
-          <p:nvPr/>
-        </p:nvSpPr>
-        <p:spPr>
-          <a:xfrm>
-            <a:off x="1524000" y="1516449"/>
-            <a:ext cx="9144000" cy="4290585"/>
-          </a:xfrm>
-          <a:prstGeom prst="rect">
-            <a:avLst/>
-          </a:prstGeom>
-        </p:spPr>
-        <p:txBody>
-          <a:bodyPr vert="horz" lIns="91440" tIns="45720" rIns="91440" bIns="45720" rtlCol="0" anchor="b">
-            <a:normAutofit fontScale="97500"/>
-          </a:bodyPr>
-          <a:lstStyle>
-            <a:lvl1pPr algn="ctr" defTabSz="914400" rtl="0" eaLnBrk="1" latinLnBrk="0" hangingPunct="1">
-              <a:lnSpc>
-                <a:spcPct val="90000"/>
-              </a:lnSpc>
-              <a:spcBef>
-                <a:spcPct val="0"/>
-              </a:spcBef>
-              <a:buNone/>
-              <a:defRPr sz="6000" kern="1200">
-                <a:solidFill>
-                  <a:schemeClr val="tx1"/>
-                </a:solidFill>
-                <a:latin typeface="+mj-lt"/>
-                <a:ea typeface="+mj-ea"/>
-                <a:cs typeface="+mj-cs"/>
-              </a:defRPr>
-            </a:lvl1pPr>
-          </a:lstStyle>
-          <a:p>
-            <a:pPr algn="l"/>
-            <a:endParaRPr lang="en-PH" sz="2600" dirty="0">
-              <a:latin typeface="Consolas" panose="020B0609020204030204" pitchFamily="49" charset="0"/>
-            </a:endParaRPr>
-          </a:p>
-          <a:p>
-            <a:pPr algn="l"/>
-            <a:r>
-              <a:rPr lang="en-PH" sz="2600" b="0" dirty="0">
-                <a:effectLst/>
-                <a:latin typeface="Consolas" panose="020B0609020204030204" pitchFamily="49" charset="0"/>
-              </a:rPr>
-              <a:t>                         </a:t>
-            </a:r>
-          </a:p>
-          <a:p>
-            <a:pPr algn="l"/>
-            <a:r>
-              <a:rPr lang="en-PH" sz="2600" b="0" dirty="0">
-                <a:effectLst/>
-                <a:latin typeface="Consolas" panose="020B0609020204030204" pitchFamily="49" charset="0"/>
-              </a:rPr>
-              <a:t>        </a:t>
-            </a:r>
-          </a:p>
-          <a:p>
-            <a:pPr algn="l"/>
-            <a:endParaRPr lang="en-PH" sz="2600" b="0" dirty="0">
-              <a:effectLst/>
-              <a:latin typeface="Consolas" panose="020B0609020204030204" pitchFamily="49" charset="0"/>
-            </a:endParaRPr>
-          </a:p>
-          <a:p>
-            <a:pPr algn="l"/>
-            <a:endParaRPr lang="en-PH" sz="2000" dirty="0">
-              <a:latin typeface="Consolas" panose="020B0609020204030204" pitchFamily="49" charset="0"/>
-            </a:endParaRPr>
-          </a:p>
-          <a:p>
-            <a:pPr algn="l"/>
-            <a:endParaRPr lang="en-PH" sz="2000" b="0" dirty="0">
-              <a:effectLst/>
-              <a:latin typeface="Consolas" panose="020B0609020204030204" pitchFamily="49" charset="0"/>
-            </a:endParaRPr>
-          </a:p>
-          <a:p>
-            <a:pPr algn="l"/>
-            <a:endParaRPr lang="en-PH" sz="2000" dirty="0">
-              <a:latin typeface="Consolas" panose="020B0609020204030204" pitchFamily="49" charset="0"/>
-            </a:endParaRPr>
-          </a:p>
-          <a:p>
-            <a:pPr algn="l"/>
-            <a:endParaRPr lang="en-PH" sz="2000" b="0" dirty="0">
-              <a:effectLst/>
-              <a:latin typeface="Consolas" panose="020B0609020204030204" pitchFamily="49" charset="0"/>
-            </a:endParaRPr>
-          </a:p>
-          <a:p>
-            <a:pPr algn="l"/>
-            <a:endParaRPr lang="en-PH" sz="2000" dirty="0">
-              <a:latin typeface="Consolas" panose="020B0609020204030204" pitchFamily="49" charset="0"/>
-            </a:endParaRPr>
-          </a:p>
-          <a:p>
-            <a:pPr algn="l"/>
-            <a:endParaRPr lang="en-PH" sz="2000" b="0" dirty="0">
-              <a:effectLst/>
-              <a:latin typeface="Consolas" panose="020B0609020204030204" pitchFamily="49" charset="0"/>
-            </a:endParaRPr>
-          </a:p>
-          <a:p>
-            <a:pPr algn="l"/>
-            <a:endParaRPr lang="en-PH" sz="2000" b="0" dirty="0">
-              <a:effectLst/>
-              <a:latin typeface="Consolas" panose="020B0609020204030204" pitchFamily="49" charset="0"/>
-            </a:endParaRPr>
-          </a:p>
-          <a:p>
-            <a:pPr algn="l"/>
-            <a:endParaRPr lang="en-PH" sz="2000" dirty="0">
-              <a:latin typeface="Consolas" panose="020B0609020204030204" pitchFamily="49" charset="0"/>
-            </a:endParaRPr>
-          </a:p>
-          <a:p>
-            <a:pPr algn="l"/>
-            <a:endParaRPr lang="en-PH" sz="2000" b="0" dirty="0">
-              <a:effectLst/>
-              <a:latin typeface="Consolas" panose="020B0609020204030204" pitchFamily="49" charset="0"/>
-            </a:endParaRPr>
-          </a:p>
-          <a:p>
-            <a:pPr algn="l"/>
-            <a:endParaRPr lang="en-PH" sz="2000" b="0" dirty="0">
-              <a:effectLst/>
-              <a:latin typeface="Consolas" panose="020B0609020204030204" pitchFamily="49" charset="0"/>
-            </a:endParaRPr>
-          </a:p>
-        </p:txBody>
-      </p:sp>
-      <p:sp>
-        <p:nvSpPr>
-          <p:cNvPr id="13" name="TextBox 12">
-            <a:extLst>
-              <a:ext uri="{FF2B5EF4-FFF2-40B4-BE49-F238E27FC236}">
-                <a16:creationId xmlns:a16="http://schemas.microsoft.com/office/drawing/2014/main" id="{3900C14F-041A-7E06-AEB2-454CF583C656}"/>
-              </a:ext>
-            </a:extLst>
-          </p:cNvPr>
-          <p:cNvSpPr txBox="1"/>
-          <p:nvPr/>
-        </p:nvSpPr>
-        <p:spPr>
-          <a:xfrm>
-            <a:off x="1294271" y="3067065"/>
-            <a:ext cx="787400" cy="369332"/>
-          </a:xfrm>
-          <a:prstGeom prst="rect">
-            <a:avLst/>
-          </a:prstGeom>
-          <a:noFill/>
-        </p:spPr>
-        <p:txBody>
-          <a:bodyPr wrap="square" rtlCol="0">
-            <a:spAutoFit/>
-          </a:bodyPr>
-          <a:lstStyle/>
-          <a:p>
-            <a:endParaRPr lang="en-PH" dirty="0"/>
-          </a:p>
-        </p:txBody>
-      </p:sp>
-      <p:sp>
-        <p:nvSpPr>
-          <p:cNvPr id="14" name="TextBox 13">
-            <a:extLst>
-              <a:ext uri="{FF2B5EF4-FFF2-40B4-BE49-F238E27FC236}">
-                <a16:creationId xmlns:a16="http://schemas.microsoft.com/office/drawing/2014/main" id="{75652A3C-2B5F-3EDF-F7EB-D0C6328EDA8C}"/>
-              </a:ext>
-            </a:extLst>
-          </p:cNvPr>
-          <p:cNvSpPr txBox="1"/>
-          <p:nvPr/>
-        </p:nvSpPr>
-        <p:spPr>
-          <a:xfrm>
-            <a:off x="2004950" y="1406092"/>
-            <a:ext cx="8182099" cy="3924151"/>
-          </a:xfrm>
-          <a:prstGeom prst="rect">
-            <a:avLst/>
-          </a:prstGeom>
-          <a:noFill/>
-        </p:spPr>
-        <p:txBody>
-          <a:bodyPr wrap="square" rtlCol="0">
-            <a:spAutoFit/>
-          </a:bodyPr>
-          <a:lstStyle/>
-          <a:p>
-            <a:r>
-              <a:rPr lang="en-US" sz="2800" b="1" i="0" dirty="0">
-                <a:solidFill>
-                  <a:srgbClr val="000000"/>
-                </a:solidFill>
-                <a:effectLst/>
-                <a:latin typeface="proxima_novaregular"/>
-              </a:rPr>
-              <a:t>Aggregation</a:t>
-            </a:r>
-          </a:p>
-          <a:p>
-            <a:pPr marL="457200" indent="-457200">
-              <a:buFontTx/>
-              <a:buChar char="-"/>
-            </a:pPr>
-            <a:r>
-              <a:rPr lang="en-US" sz="2800" b="0" i="0" dirty="0">
-                <a:solidFill>
-                  <a:srgbClr val="000000"/>
-                </a:solidFill>
-                <a:effectLst/>
-                <a:latin typeface="proxima_novaregular"/>
-              </a:rPr>
-              <a:t>An aggregation container class and referenced class can have an independent existence. </a:t>
-            </a:r>
-          </a:p>
-          <a:p>
-            <a:endParaRPr lang="en-US" sz="2800" b="0" i="0" dirty="0">
-              <a:solidFill>
-                <a:srgbClr val="000000"/>
-              </a:solidFill>
-              <a:effectLst/>
-              <a:latin typeface="proxima_novaregular"/>
-            </a:endParaRPr>
-          </a:p>
-          <a:p>
-            <a:endParaRPr lang="en-US" sz="2800" dirty="0">
-              <a:solidFill>
-                <a:srgbClr val="000000"/>
-              </a:solidFill>
-              <a:latin typeface="proxima_novaregular"/>
-            </a:endParaRPr>
-          </a:p>
-          <a:p>
-            <a:r>
-              <a:rPr lang="en-US" sz="2800" b="1" dirty="0">
-                <a:solidFill>
-                  <a:srgbClr val="000000"/>
-                </a:solidFill>
-                <a:latin typeface="proxima_novaregular"/>
-              </a:rPr>
-              <a:t>Composition</a:t>
-            </a:r>
-          </a:p>
-          <a:p>
-            <a:pPr marL="457200" indent="-457200">
-              <a:buFontTx/>
-              <a:buChar char="-"/>
-            </a:pPr>
-            <a:r>
-              <a:rPr lang="en-US" sz="2800" b="0" i="0" dirty="0">
-                <a:solidFill>
-                  <a:srgbClr val="000000"/>
-                </a:solidFill>
-                <a:effectLst/>
-                <a:latin typeface="proxima_novaregular"/>
-              </a:rPr>
-              <a:t>A composition reference class cannot exist if the container class is destroyed.</a:t>
-            </a:r>
-          </a:p>
-          <a:p>
-            <a:endParaRPr lang="en-PH" sz="2500" dirty="0"/>
-          </a:p>
-        </p:txBody>
-      </p:sp>
-    </p:spTree>
-    <p:extLst>
-      <p:ext uri="{BB962C8B-B14F-4D97-AF65-F5344CB8AC3E}">
-        <p14:creationId xmlns:p14="http://schemas.microsoft.com/office/powerpoint/2010/main" val="981784704"/>
-      </p:ext>
-    </p:extLst>
-  </p:cSld>
-  <p:clrMapOvr>
-    <a:masterClrMapping/>
-  </p:clrMapOvr>
-</p:sld>
-</file>
-
 <file path=ppt/slides/slide7.xml><?xml version="1.0" encoding="utf-8"?>
 <p:sld xmlns:a="http://schemas.openxmlformats.org/drawingml/2006/main" xmlns:r="http://schemas.openxmlformats.org/officeDocument/2006/relationships" xmlns:p="http://schemas.openxmlformats.org/presentationml/2006/main">
   <p:cSld>
@@ -8206,7 +8207,7 @@
           <a:p>
             <a:r>
               <a:rPr lang="en-PH" sz="5400" b="1" dirty="0"/>
-              <a:t>Composition</a:t>
+              <a:t>Aggregation and Composition</a:t>
             </a:r>
             <a:endParaRPr lang="en-PH" sz="5000" b="1" dirty="0"/>
           </a:p>
@@ -8451,7 +8452,416 @@
         <p:spPr>
           <a:xfrm>
             <a:off x="2004950" y="1406092"/>
-            <a:ext cx="8182099" cy="4647426"/>
+            <a:ext cx="8182099" cy="3924151"/>
+          </a:xfrm>
+          <a:prstGeom prst="rect">
+            <a:avLst/>
+          </a:prstGeom>
+          <a:noFill/>
+        </p:spPr>
+        <p:txBody>
+          <a:bodyPr wrap="square" rtlCol="0">
+            <a:spAutoFit/>
+          </a:bodyPr>
+          <a:lstStyle/>
+          <a:p>
+            <a:r>
+              <a:rPr lang="en-US" sz="2800" b="1" i="0" dirty="0">
+                <a:solidFill>
+                  <a:srgbClr val="000000"/>
+                </a:solidFill>
+                <a:effectLst/>
+                <a:latin typeface="proxima_novaregular"/>
+              </a:rPr>
+              <a:t>Aggregation</a:t>
+            </a:r>
+          </a:p>
+          <a:p>
+            <a:pPr marL="457200" indent="-457200">
+              <a:buFontTx/>
+              <a:buChar char="-"/>
+            </a:pPr>
+            <a:r>
+              <a:rPr lang="en-US" sz="2800" b="0" i="0" dirty="0">
+                <a:solidFill>
+                  <a:srgbClr val="000000"/>
+                </a:solidFill>
+                <a:effectLst/>
+                <a:latin typeface="proxima_novaregular"/>
+              </a:rPr>
+              <a:t>An aggregation container class and referenced class can have an independent existence. </a:t>
+            </a:r>
+          </a:p>
+          <a:p>
+            <a:endParaRPr lang="en-US" sz="2800" b="0" i="0" dirty="0">
+              <a:solidFill>
+                <a:srgbClr val="000000"/>
+              </a:solidFill>
+              <a:effectLst/>
+              <a:latin typeface="proxima_novaregular"/>
+            </a:endParaRPr>
+          </a:p>
+          <a:p>
+            <a:endParaRPr lang="en-US" sz="2800" dirty="0">
+              <a:solidFill>
+                <a:srgbClr val="000000"/>
+              </a:solidFill>
+              <a:latin typeface="proxima_novaregular"/>
+            </a:endParaRPr>
+          </a:p>
+          <a:p>
+            <a:r>
+              <a:rPr lang="en-US" sz="2800" b="1" dirty="0">
+                <a:solidFill>
+                  <a:srgbClr val="000000"/>
+                </a:solidFill>
+                <a:latin typeface="proxima_novaregular"/>
+              </a:rPr>
+              <a:t>Composition</a:t>
+            </a:r>
+          </a:p>
+          <a:p>
+            <a:pPr marL="457200" indent="-457200">
+              <a:buFontTx/>
+              <a:buChar char="-"/>
+            </a:pPr>
+            <a:r>
+              <a:rPr lang="en-US" sz="2800" b="0" i="0" dirty="0">
+                <a:solidFill>
+                  <a:srgbClr val="000000"/>
+                </a:solidFill>
+                <a:effectLst/>
+                <a:latin typeface="proxima_novaregular"/>
+              </a:rPr>
+              <a:t>A composition reference class cannot exist if the container class is destroyed.</a:t>
+            </a:r>
+          </a:p>
+          <a:p>
+            <a:endParaRPr lang="en-PH" sz="2500" dirty="0"/>
+          </a:p>
+        </p:txBody>
+      </p:sp>
+    </p:spTree>
+    <p:extLst>
+      <p:ext uri="{BB962C8B-B14F-4D97-AF65-F5344CB8AC3E}">
+        <p14:creationId xmlns:p14="http://schemas.microsoft.com/office/powerpoint/2010/main" val="981784704"/>
+      </p:ext>
+    </p:extLst>
+  </p:cSld>
+  <p:clrMapOvr>
+    <a:masterClrMapping/>
+  </p:clrMapOvr>
+</p:sld>
+</file>
+
+<file path=ppt/slides/slide8.xml><?xml version="1.0" encoding="utf-8"?>
+<p:sld xmlns:a="http://schemas.openxmlformats.org/drawingml/2006/main" xmlns:r="http://schemas.openxmlformats.org/officeDocument/2006/relationships" xmlns:p="http://schemas.openxmlformats.org/presentationml/2006/main">
+  <p:cSld>
+    <p:bg>
+      <p:bgPr>
+        <a:blipFill dpi="0" rotWithShape="1">
+          <a:blip r:embed="rId3">
+            <a:alphaModFix amt="99000"/>
+            <a:lum/>
+          </a:blip>
+          <a:srcRect/>
+          <a:stretch>
+            <a:fillRect t="89000" r="85000" b="-1000"/>
+          </a:stretch>
+        </a:blipFill>
+        <a:effectLst/>
+      </p:bgPr>
+    </p:bg>
+    <p:spTree>
+      <p:nvGrpSpPr>
+        <p:cNvPr id="1" name=""/>
+        <p:cNvGrpSpPr/>
+        <p:nvPr/>
+      </p:nvGrpSpPr>
+      <p:grpSpPr>
+        <a:xfrm>
+          <a:off x="0" y="0"/>
+          <a:ext cx="0" cy="0"/>
+          <a:chOff x="0" y="0"/>
+          <a:chExt cx="0" cy="0"/>
+        </a:xfrm>
+      </p:grpSpPr>
+      <p:sp>
+        <p:nvSpPr>
+          <p:cNvPr id="2" name="Title 1">
+            <a:extLst>
+              <a:ext uri="{FF2B5EF4-FFF2-40B4-BE49-F238E27FC236}">
+                <a16:creationId xmlns:a16="http://schemas.microsoft.com/office/drawing/2014/main" id="{6A3DCE86-C2BA-4713-9E7A-73589E8D6CCF}"/>
+              </a:ext>
+            </a:extLst>
+          </p:cNvPr>
+          <p:cNvSpPr>
+            <a:spLocks noGrp="1"/>
+          </p:cNvSpPr>
+          <p:nvPr>
+            <p:ph type="ctrTitle"/>
+          </p:nvPr>
+        </p:nvSpPr>
+        <p:spPr>
+          <a:xfrm>
+            <a:off x="1524000" y="497150"/>
+            <a:ext cx="9144000" cy="718459"/>
+          </a:xfrm>
+        </p:spPr>
+        <p:txBody>
+          <a:bodyPr>
+            <a:noAutofit/>
+          </a:bodyPr>
+          <a:lstStyle/>
+          <a:p>
+            <a:r>
+              <a:rPr lang="en-PH" sz="5400" b="1" dirty="0"/>
+              <a:t>Composition</a:t>
+            </a:r>
+            <a:endParaRPr lang="en-PH" sz="5000" b="1" dirty="0"/>
+          </a:p>
+        </p:txBody>
+      </p:sp>
+      <p:sp>
+        <p:nvSpPr>
+          <p:cNvPr id="4" name="Footer Placeholder 3">
+            <a:extLst>
+              <a:ext uri="{FF2B5EF4-FFF2-40B4-BE49-F238E27FC236}">
+                <a16:creationId xmlns:a16="http://schemas.microsoft.com/office/drawing/2014/main" id="{638E7DE1-45EE-476A-A474-0F3C264AEDA3}"/>
+              </a:ext>
+            </a:extLst>
+          </p:cNvPr>
+          <p:cNvSpPr>
+            <a:spLocks noGrp="1"/>
+          </p:cNvSpPr>
+          <p:nvPr>
+            <p:ph type="ftr" sz="quarter" idx="11"/>
+          </p:nvPr>
+        </p:nvSpPr>
+        <p:spPr>
+          <a:xfrm>
+            <a:off x="0" y="6139541"/>
+            <a:ext cx="12192000" cy="718459"/>
+          </a:xfrm>
+          <a:ln w="28575">
+            <a:solidFill>
+              <a:schemeClr val="accent5">
+                <a:lumMod val="50000"/>
+              </a:schemeClr>
+            </a:solidFill>
+          </a:ln>
+        </p:spPr>
+        <p:txBody>
+          <a:bodyPr/>
+          <a:lstStyle/>
+          <a:p>
+            <a:pPr algn="r"/>
+            <a:r>
+              <a:rPr lang="en-PH" b="1" dirty="0">
+                <a:solidFill>
+                  <a:schemeClr val="tx1"/>
+                </a:solidFill>
+              </a:rPr>
+              <a:t>CCPRGG2L – Intermediate Programming</a:t>
+            </a:r>
+          </a:p>
+        </p:txBody>
+      </p:sp>
+      <p:sp>
+        <p:nvSpPr>
+          <p:cNvPr id="3" name="Title 1">
+            <a:extLst>
+              <a:ext uri="{FF2B5EF4-FFF2-40B4-BE49-F238E27FC236}">
+                <a16:creationId xmlns:a16="http://schemas.microsoft.com/office/drawing/2014/main" id="{6C30C3FD-9F67-8E4D-274C-38222F46C4C5}"/>
+              </a:ext>
+            </a:extLst>
+          </p:cNvPr>
+          <p:cNvSpPr txBox="1">
+            <a:spLocks/>
+          </p:cNvSpPr>
+          <p:nvPr/>
+        </p:nvSpPr>
+        <p:spPr>
+          <a:xfrm>
+            <a:off x="1524000" y="1516449"/>
+            <a:ext cx="9144000" cy="4290585"/>
+          </a:xfrm>
+          <a:prstGeom prst="rect">
+            <a:avLst/>
+          </a:prstGeom>
+        </p:spPr>
+        <p:txBody>
+          <a:bodyPr vert="horz" lIns="91440" tIns="45720" rIns="91440" bIns="45720" rtlCol="0" anchor="b">
+            <a:normAutofit fontScale="97500"/>
+          </a:bodyPr>
+          <a:lstStyle>
+            <a:lvl1pPr algn="ctr" defTabSz="914400" rtl="0" eaLnBrk="1" latinLnBrk="0" hangingPunct="1">
+              <a:lnSpc>
+                <a:spcPct val="90000"/>
+              </a:lnSpc>
+              <a:spcBef>
+                <a:spcPct val="0"/>
+              </a:spcBef>
+              <a:buNone/>
+              <a:defRPr sz="6000" kern="1200">
+                <a:solidFill>
+                  <a:schemeClr val="tx1"/>
+                </a:solidFill>
+                <a:latin typeface="+mj-lt"/>
+                <a:ea typeface="+mj-ea"/>
+                <a:cs typeface="+mj-cs"/>
+              </a:defRPr>
+            </a:lvl1pPr>
+          </a:lstStyle>
+          <a:p>
+            <a:pPr algn="l"/>
+            <a:endParaRPr lang="en-PH" sz="2600" dirty="0">
+              <a:latin typeface="Consolas" panose="020B0609020204030204" pitchFamily="49" charset="0"/>
+            </a:endParaRPr>
+          </a:p>
+          <a:p>
+            <a:pPr algn="l"/>
+            <a:r>
+              <a:rPr lang="en-PH" sz="2600" b="0" dirty="0">
+                <a:effectLst/>
+                <a:latin typeface="Consolas" panose="020B0609020204030204" pitchFamily="49" charset="0"/>
+              </a:rPr>
+              <a:t>                         </a:t>
+            </a:r>
+          </a:p>
+          <a:p>
+            <a:pPr algn="l"/>
+            <a:r>
+              <a:rPr lang="en-PH" sz="2600" b="0" dirty="0">
+                <a:effectLst/>
+                <a:latin typeface="Consolas" panose="020B0609020204030204" pitchFamily="49" charset="0"/>
+              </a:rPr>
+              <a:t>        </a:t>
+            </a:r>
+          </a:p>
+          <a:p>
+            <a:pPr algn="l"/>
+            <a:endParaRPr lang="en-PH" sz="2600" b="0" dirty="0">
+              <a:effectLst/>
+              <a:latin typeface="Consolas" panose="020B0609020204030204" pitchFamily="49" charset="0"/>
+            </a:endParaRPr>
+          </a:p>
+          <a:p>
+            <a:pPr algn="l"/>
+            <a:endParaRPr lang="en-PH" sz="2000" dirty="0">
+              <a:latin typeface="Consolas" panose="020B0609020204030204" pitchFamily="49" charset="0"/>
+            </a:endParaRPr>
+          </a:p>
+          <a:p>
+            <a:pPr algn="l"/>
+            <a:endParaRPr lang="en-PH" sz="2000" b="0" dirty="0">
+              <a:effectLst/>
+              <a:latin typeface="Consolas" panose="020B0609020204030204" pitchFamily="49" charset="0"/>
+            </a:endParaRPr>
+          </a:p>
+          <a:p>
+            <a:pPr algn="l"/>
+            <a:endParaRPr lang="en-PH" sz="2000" dirty="0">
+              <a:latin typeface="Consolas" panose="020B0609020204030204" pitchFamily="49" charset="0"/>
+            </a:endParaRPr>
+          </a:p>
+          <a:p>
+            <a:pPr algn="l"/>
+            <a:endParaRPr lang="en-PH" sz="2000" b="0" dirty="0">
+              <a:effectLst/>
+              <a:latin typeface="Consolas" panose="020B0609020204030204" pitchFamily="49" charset="0"/>
+            </a:endParaRPr>
+          </a:p>
+          <a:p>
+            <a:pPr algn="l"/>
+            <a:endParaRPr lang="en-PH" sz="2000" dirty="0">
+              <a:latin typeface="Consolas" panose="020B0609020204030204" pitchFamily="49" charset="0"/>
+            </a:endParaRPr>
+          </a:p>
+          <a:p>
+            <a:pPr algn="l"/>
+            <a:endParaRPr lang="en-PH" sz="2000" b="0" dirty="0">
+              <a:effectLst/>
+              <a:latin typeface="Consolas" panose="020B0609020204030204" pitchFamily="49" charset="0"/>
+            </a:endParaRPr>
+          </a:p>
+          <a:p>
+            <a:pPr algn="l"/>
+            <a:endParaRPr lang="en-PH" sz="2000" b="0" dirty="0">
+              <a:effectLst/>
+              <a:latin typeface="Consolas" panose="020B0609020204030204" pitchFamily="49" charset="0"/>
+            </a:endParaRPr>
+          </a:p>
+          <a:p>
+            <a:pPr algn="l"/>
+            <a:endParaRPr lang="en-PH" sz="2000" dirty="0">
+              <a:latin typeface="Consolas" panose="020B0609020204030204" pitchFamily="49" charset="0"/>
+            </a:endParaRPr>
+          </a:p>
+          <a:p>
+            <a:pPr algn="l"/>
+            <a:endParaRPr lang="en-PH" sz="2000" b="0" dirty="0">
+              <a:effectLst/>
+              <a:latin typeface="Consolas" panose="020B0609020204030204" pitchFamily="49" charset="0"/>
+            </a:endParaRPr>
+          </a:p>
+          <a:p>
+            <a:pPr algn="l"/>
+            <a:endParaRPr lang="en-PH" sz="2000" b="0" dirty="0">
+              <a:effectLst/>
+              <a:latin typeface="Consolas" panose="020B0609020204030204" pitchFamily="49" charset="0"/>
+            </a:endParaRPr>
+          </a:p>
+        </p:txBody>
+      </p:sp>
+      <p:sp>
+        <p:nvSpPr>
+          <p:cNvPr id="13" name="TextBox 12">
+            <a:extLst>
+              <a:ext uri="{FF2B5EF4-FFF2-40B4-BE49-F238E27FC236}">
+                <a16:creationId xmlns:a16="http://schemas.microsoft.com/office/drawing/2014/main" id="{3900C14F-041A-7E06-AEB2-454CF583C656}"/>
+              </a:ext>
+            </a:extLst>
+          </p:cNvPr>
+          <p:cNvSpPr txBox="1"/>
+          <p:nvPr/>
+        </p:nvSpPr>
+        <p:spPr>
+          <a:xfrm>
+            <a:off x="1294271" y="3067065"/>
+            <a:ext cx="787400" cy="369332"/>
+          </a:xfrm>
+          <a:prstGeom prst="rect">
+            <a:avLst/>
+          </a:prstGeom>
+          <a:noFill/>
+        </p:spPr>
+        <p:txBody>
+          <a:bodyPr wrap="square" rtlCol="0">
+            <a:spAutoFit/>
+          </a:bodyPr>
+          <a:lstStyle/>
+          <a:p>
+            <a:endParaRPr lang="en-PH" dirty="0"/>
+          </a:p>
+        </p:txBody>
+      </p:sp>
+      <p:sp>
+        <p:nvSpPr>
+          <p:cNvPr id="14" name="TextBox 13">
+            <a:extLst>
+              <a:ext uri="{FF2B5EF4-FFF2-40B4-BE49-F238E27FC236}">
+                <a16:creationId xmlns:a16="http://schemas.microsoft.com/office/drawing/2014/main" id="{75652A3C-2B5F-3EDF-F7EB-D0C6328EDA8C}"/>
+              </a:ext>
+            </a:extLst>
+          </p:cNvPr>
+          <p:cNvSpPr txBox="1"/>
+          <p:nvPr/>
+        </p:nvSpPr>
+        <p:spPr>
+          <a:xfrm>
+            <a:off x="2004950" y="1406092"/>
+            <a:ext cx="8182099" cy="5509200"/>
           </a:xfrm>
           <a:prstGeom prst="rect">
             <a:avLst/>
@@ -8493,6 +8903,19 @@
               <a:buFontTx/>
               <a:buChar char="-"/>
             </a:pPr>
+            <a:endParaRPr lang="en-US" sz="2800" b="0" i="0" dirty="0">
+              <a:solidFill>
+                <a:srgbClr val="000000"/>
+              </a:solidFill>
+              <a:effectLst/>
+              <a:latin typeface="proxima_novaregular"/>
+            </a:endParaRPr>
+          </a:p>
+          <a:p>
+            <a:pPr marL="457200" indent="-457200">
+              <a:buFontTx/>
+              <a:buChar char="-"/>
+            </a:pPr>
             <a:r>
               <a:rPr lang="en-US" sz="2800" b="0" i="0" dirty="0">
                 <a:solidFill>
@@ -8503,6 +8926,19 @@
               </a:rPr>
               <a:t>Other classes cannot exist without the owner or parent class. </a:t>
             </a:r>
+          </a:p>
+          <a:p>
+            <a:pPr marL="457200" indent="-457200">
+              <a:buFontTx/>
+              <a:buChar char="-"/>
+            </a:pPr>
+            <a:endParaRPr lang="en-US" sz="2800" b="0" i="0" dirty="0">
+              <a:solidFill>
+                <a:srgbClr val="000000"/>
+              </a:solidFill>
+              <a:effectLst/>
+              <a:latin typeface="proxima_novaregular"/>
+            </a:endParaRPr>
           </a:p>
           <a:p>
             <a:pPr marL="457200" indent="-457200">
@@ -8571,7 +9007,7 @@
 </p:sld>
 </file>
 
-<file path=ppt/slides/slide8.xml><?xml version="1.0" encoding="utf-8"?>
+<file path=ppt/slides/slide9.xml><?xml version="1.0" encoding="utf-8"?>
 <p:sld xmlns:a="http://schemas.openxmlformats.org/drawingml/2006/main" xmlns:r="http://schemas.openxmlformats.org/officeDocument/2006/relationships" xmlns:p="http://schemas.openxmlformats.org/presentationml/2006/main">
   <p:cSld>
     <p:bg>
